--- a/Zaawansowana Eksploracja Danych - Laboratorium/Prezentacja/Personalized Clustering for Emotion Recognition Improvement - Laboratoria.pptx
+++ b/Zaawansowana Eksploracja Danych - Laboratorium/Prezentacja/Personalized Clustering for Emotion Recognition Improvement - Laboratoria.pptx
@@ -1021,7 +1021,7 @@
   <p:cSld>
     <p:spTree>
       <p:nvGrpSpPr>
-        <p:cNvPr id="133" name="Shape 133"/>
+        <p:cNvPr id="134" name="Shape 134"/>
         <p:cNvGrpSpPr/>
         <p:nvPr/>
       </p:nvGrpSpPr>
@@ -1035,7 +1035,7 @@
       </p:grpSpPr>
       <p:sp>
         <p:nvSpPr>
-          <p:cNvPr id="134" name="Google Shape;134;g3a84e838873_1_13:notes"/>
+          <p:cNvPr id="135" name="Google Shape;135;g3a84e838873_1_13:notes"/>
           <p:cNvSpPr/>
           <p:nvPr>
             <p:ph idx="2" type="sldImg"/>
@@ -1070,7 +1070,7 @@
       </p:sp>
       <p:sp>
         <p:nvSpPr>
-          <p:cNvPr id="135" name="Google Shape;135;g3a84e838873_1_13:notes"/>
+          <p:cNvPr id="136" name="Google Shape;136;g3a84e838873_1_13:notes"/>
           <p:cNvSpPr txBox="1"/>
           <p:nvPr>
             <p:ph idx="1" type="body"/>
@@ -1120,7 +1120,7 @@
   <p:cSld>
     <p:spTree>
       <p:nvGrpSpPr>
-        <p:cNvPr id="140" name="Shape 140"/>
+        <p:cNvPr id="141" name="Shape 141"/>
         <p:cNvGrpSpPr/>
         <p:nvPr/>
       </p:nvGrpSpPr>
@@ -1134,7 +1134,7 @@
       </p:grpSpPr>
       <p:sp>
         <p:nvSpPr>
-          <p:cNvPr id="141" name="Google Shape;141;g3a84e838873_1_21:notes"/>
+          <p:cNvPr id="142" name="Google Shape;142;g3a84e838873_1_21:notes"/>
           <p:cNvSpPr/>
           <p:nvPr>
             <p:ph idx="2" type="sldImg"/>
@@ -1169,7 +1169,7 @@
       </p:sp>
       <p:sp>
         <p:nvSpPr>
-          <p:cNvPr id="142" name="Google Shape;142;g3a84e838873_1_21:notes"/>
+          <p:cNvPr id="143" name="Google Shape;143;g3a84e838873_1_21:notes"/>
           <p:cNvSpPr txBox="1"/>
           <p:nvPr>
             <p:ph idx="1" type="body"/>
@@ -1219,7 +1219,7 @@
   <p:cSld>
     <p:spTree>
       <p:nvGrpSpPr>
-        <p:cNvPr id="147" name="Shape 147"/>
+        <p:cNvPr id="148" name="Shape 148"/>
         <p:cNvGrpSpPr/>
         <p:nvPr/>
       </p:nvGrpSpPr>
@@ -1233,7 +1233,7 @@
       </p:grpSpPr>
       <p:sp>
         <p:nvSpPr>
-          <p:cNvPr id="148" name="Google Shape;148;g3a84e838873_1_34:notes"/>
+          <p:cNvPr id="149" name="Google Shape;149;g3a84e838873_1_34:notes"/>
           <p:cNvSpPr/>
           <p:nvPr>
             <p:ph idx="2" type="sldImg"/>
@@ -1268,7 +1268,7 @@
       </p:sp>
       <p:sp>
         <p:nvSpPr>
-          <p:cNvPr id="149" name="Google Shape;149;g3a84e838873_1_34:notes"/>
+          <p:cNvPr id="150" name="Google Shape;150;g3a84e838873_1_34:notes"/>
           <p:cNvSpPr txBox="1"/>
           <p:nvPr>
             <p:ph idx="1" type="body"/>
@@ -1318,7 +1318,7 @@
   <p:cSld>
     <p:spTree>
       <p:nvGrpSpPr>
-        <p:cNvPr id="154" name="Shape 154"/>
+        <p:cNvPr id="155" name="Shape 155"/>
         <p:cNvGrpSpPr/>
         <p:nvPr/>
       </p:nvGrpSpPr>
@@ -1332,7 +1332,7 @@
       </p:grpSpPr>
       <p:sp>
         <p:nvSpPr>
-          <p:cNvPr id="155" name="Google Shape;155;g3a8f81edecc_0_0:notes"/>
+          <p:cNvPr id="156" name="Google Shape;156;g3a8f81edecc_0_0:notes"/>
           <p:cNvSpPr/>
           <p:nvPr>
             <p:ph idx="2" type="sldImg"/>
@@ -1367,7 +1367,7 @@
       </p:sp>
       <p:sp>
         <p:nvSpPr>
-          <p:cNvPr id="156" name="Google Shape;156;g3a8f81edecc_0_0:notes"/>
+          <p:cNvPr id="157" name="Google Shape;157;g3a8f81edecc_0_0:notes"/>
           <p:cNvSpPr txBox="1"/>
           <p:nvPr>
             <p:ph idx="1" type="body"/>
@@ -1417,7 +1417,7 @@
   <p:cSld>
     <p:spTree>
       <p:nvGrpSpPr>
-        <p:cNvPr id="164" name="Shape 164"/>
+        <p:cNvPr id="165" name="Shape 165"/>
         <p:cNvGrpSpPr/>
         <p:nvPr/>
       </p:nvGrpSpPr>
@@ -1431,7 +1431,7 @@
       </p:grpSpPr>
       <p:sp>
         <p:nvSpPr>
-          <p:cNvPr id="165" name="Google Shape;165;g3a8f81edecc_0_12:notes"/>
+          <p:cNvPr id="166" name="Google Shape;166;g3a8f81edecc_0_12:notes"/>
           <p:cNvSpPr/>
           <p:nvPr>
             <p:ph idx="2" type="sldImg"/>
@@ -1466,7 +1466,7 @@
       </p:sp>
       <p:sp>
         <p:nvSpPr>
-          <p:cNvPr id="166" name="Google Shape;166;g3a8f81edecc_0_12:notes"/>
+          <p:cNvPr id="167" name="Google Shape;167;g3a8f81edecc_0_12:notes"/>
           <p:cNvSpPr txBox="1"/>
           <p:nvPr>
             <p:ph idx="1" type="body"/>
@@ -1516,7 +1516,7 @@
   <p:cSld>
     <p:spTree>
       <p:nvGrpSpPr>
-        <p:cNvPr id="174" name="Shape 174"/>
+        <p:cNvPr id="175" name="Shape 175"/>
         <p:cNvGrpSpPr/>
         <p:nvPr/>
       </p:nvGrpSpPr>
@@ -1530,7 +1530,7 @@
       </p:grpSpPr>
       <p:sp>
         <p:nvSpPr>
-          <p:cNvPr id="175" name="Google Shape;175;g3a8f81edecc_0_30:notes"/>
+          <p:cNvPr id="176" name="Google Shape;176;g3a8f81edecc_0_30:notes"/>
           <p:cNvSpPr/>
           <p:nvPr>
             <p:ph idx="2" type="sldImg"/>
@@ -1565,7 +1565,7 @@
       </p:sp>
       <p:sp>
         <p:nvSpPr>
-          <p:cNvPr id="176" name="Google Shape;176;g3a8f81edecc_0_30:notes"/>
+          <p:cNvPr id="177" name="Google Shape;177;g3a8f81edecc_0_30:notes"/>
           <p:cNvSpPr txBox="1"/>
           <p:nvPr>
             <p:ph idx="1" type="body"/>
@@ -1615,7 +1615,7 @@
   <p:cSld>
     <p:spTree>
       <p:nvGrpSpPr>
-        <p:cNvPr id="183" name="Shape 183"/>
+        <p:cNvPr id="184" name="Shape 184"/>
         <p:cNvGrpSpPr/>
         <p:nvPr/>
       </p:nvGrpSpPr>
@@ -1629,7 +1629,7 @@
       </p:grpSpPr>
       <p:sp>
         <p:nvSpPr>
-          <p:cNvPr id="184" name="Google Shape;184;gc6f73a04f_0_0:notes"/>
+          <p:cNvPr id="185" name="Google Shape;185;gc6f73a04f_0_0:notes"/>
           <p:cNvSpPr/>
           <p:nvPr>
             <p:ph idx="2" type="sldImg"/>
@@ -1664,7 +1664,7 @@
       </p:sp>
       <p:sp>
         <p:nvSpPr>
-          <p:cNvPr id="185" name="Google Shape;185;gc6f73a04f_0_0:notes"/>
+          <p:cNvPr id="186" name="Google Shape;186;gc6f73a04f_0_0:notes"/>
           <p:cNvSpPr txBox="1"/>
           <p:nvPr>
             <p:ph idx="1" type="body"/>
@@ -9011,8 +9011,36 @@
         </p:blipFill>
         <p:spPr>
           <a:xfrm>
-            <a:off x="0" y="1036075"/>
+            <a:off x="0" y="1413050"/>
             <a:ext cx="5006026" cy="3730461"/>
+          </a:xfrm>
+          <a:prstGeom prst="rect">
+            <a:avLst/>
+          </a:prstGeom>
+          <a:noFill/>
+          <a:ln>
+            <a:noFill/>
+          </a:ln>
+        </p:spPr>
+      </p:pic>
+      <p:pic>
+        <p:nvPicPr>
+          <p:cNvPr id="133" name="Google Shape;133;p23"/>
+          <p:cNvPicPr preferRelativeResize="0"/>
+          <p:nvPr/>
+        </p:nvPicPr>
+        <p:blipFill>
+          <a:blip r:embed="rId4">
+            <a:alphaModFix/>
+          </a:blip>
+          <a:stretch>
+            <a:fillRect/>
+          </a:stretch>
+        </p:blipFill>
+        <p:spPr>
+          <a:xfrm>
+            <a:off x="1487725" y="659100"/>
+            <a:ext cx="2030575" cy="753950"/>
           </a:xfrm>
           <a:prstGeom prst="rect">
             <a:avLst/>
@@ -9036,7 +9064,7 @@
   <p:cSld>
     <p:spTree>
       <p:nvGrpSpPr>
-        <p:cNvPr id="136" name="Shape 136"/>
+        <p:cNvPr id="137" name="Shape 137"/>
         <p:cNvGrpSpPr/>
         <p:nvPr/>
       </p:nvGrpSpPr>
@@ -9050,7 +9078,7 @@
       </p:grpSpPr>
       <p:sp>
         <p:nvSpPr>
-          <p:cNvPr id="137" name="Google Shape;137;p24"/>
+          <p:cNvPr id="138" name="Google Shape;138;p24"/>
           <p:cNvSpPr txBox="1"/>
           <p:nvPr>
             <p:ph type="title"/>
@@ -9090,7 +9118,7 @@
       </p:sp>
       <p:sp>
         <p:nvSpPr>
-          <p:cNvPr id="138" name="Google Shape;138;p24"/>
+          <p:cNvPr id="139" name="Google Shape;139;p24"/>
           <p:cNvSpPr txBox="1"/>
           <p:nvPr/>
         </p:nvSpPr>
@@ -9207,7 +9235,7 @@
       </p:sp>
       <p:pic>
         <p:nvPicPr>
-          <p:cNvPr id="139" name="Google Shape;139;p24"/>
+          <p:cNvPr id="140" name="Google Shape;140;p24"/>
           <p:cNvPicPr preferRelativeResize="0"/>
           <p:nvPr/>
         </p:nvPicPr>
@@ -9246,7 +9274,7 @@
   <p:cSld>
     <p:spTree>
       <p:nvGrpSpPr>
-        <p:cNvPr id="143" name="Shape 143"/>
+        <p:cNvPr id="144" name="Shape 144"/>
         <p:cNvGrpSpPr/>
         <p:nvPr/>
       </p:nvGrpSpPr>
@@ -9260,7 +9288,7 @@
       </p:grpSpPr>
       <p:sp>
         <p:nvSpPr>
-          <p:cNvPr id="144" name="Google Shape;144;p25"/>
+          <p:cNvPr id="145" name="Google Shape;145;p25"/>
           <p:cNvSpPr txBox="1"/>
           <p:nvPr>
             <p:ph type="title"/>
@@ -9304,7 +9332,7 @@
       </p:sp>
       <p:sp>
         <p:nvSpPr>
-          <p:cNvPr id="145" name="Google Shape;145;p25"/>
+          <p:cNvPr id="146" name="Google Shape;146;p25"/>
           <p:cNvSpPr txBox="1"/>
           <p:nvPr/>
         </p:nvSpPr>
@@ -9404,7 +9432,7 @@
       </p:sp>
       <p:pic>
         <p:nvPicPr>
-          <p:cNvPr id="146" name="Google Shape;146;p25"/>
+          <p:cNvPr id="147" name="Google Shape;147;p25"/>
           <p:cNvPicPr preferRelativeResize="0"/>
           <p:nvPr/>
         </p:nvPicPr>
@@ -9443,7 +9471,7 @@
   <p:cSld>
     <p:spTree>
       <p:nvGrpSpPr>
-        <p:cNvPr id="150" name="Shape 150"/>
+        <p:cNvPr id="151" name="Shape 151"/>
         <p:cNvGrpSpPr/>
         <p:nvPr/>
       </p:nvGrpSpPr>
@@ -9457,7 +9485,7 @@
       </p:grpSpPr>
       <p:sp>
         <p:nvSpPr>
-          <p:cNvPr id="151" name="Google Shape;151;p26"/>
+          <p:cNvPr id="152" name="Google Shape;152;p26"/>
           <p:cNvSpPr txBox="1"/>
           <p:nvPr>
             <p:ph type="title"/>
@@ -9497,7 +9525,7 @@
       </p:sp>
       <p:sp>
         <p:nvSpPr>
-          <p:cNvPr id="152" name="Google Shape;152;p26"/>
+          <p:cNvPr id="153" name="Google Shape;153;p26"/>
           <p:cNvSpPr txBox="1"/>
           <p:nvPr/>
         </p:nvSpPr>
@@ -9597,7 +9625,7 @@
       </p:sp>
       <p:pic>
         <p:nvPicPr>
-          <p:cNvPr id="153" name="Google Shape;153;p26"/>
+          <p:cNvPr id="154" name="Google Shape;154;p26"/>
           <p:cNvPicPr preferRelativeResize="0"/>
           <p:nvPr/>
         </p:nvPicPr>
@@ -9636,7 +9664,7 @@
   <p:cSld>
     <p:spTree>
       <p:nvGrpSpPr>
-        <p:cNvPr id="157" name="Shape 157"/>
+        <p:cNvPr id="158" name="Shape 158"/>
         <p:cNvGrpSpPr/>
         <p:nvPr/>
       </p:nvGrpSpPr>
@@ -9650,7 +9678,7 @@
       </p:grpSpPr>
       <p:sp>
         <p:nvSpPr>
-          <p:cNvPr id="158" name="Google Shape;158;p27"/>
+          <p:cNvPr id="159" name="Google Shape;159;p27"/>
           <p:cNvSpPr txBox="1"/>
           <p:nvPr>
             <p:ph type="title"/>
@@ -9690,7 +9718,7 @@
       </p:sp>
       <p:pic>
         <p:nvPicPr>
-          <p:cNvPr id="159" name="Google Shape;159;p27"/>
+          <p:cNvPr id="160" name="Google Shape;160;p27"/>
           <p:cNvPicPr preferRelativeResize="0"/>
           <p:nvPr/>
         </p:nvPicPr>
@@ -9718,7 +9746,7 @@
       </p:pic>
       <p:pic>
         <p:nvPicPr>
-          <p:cNvPr id="160" name="Google Shape;160;p27"/>
+          <p:cNvPr id="161" name="Google Shape;161;p27"/>
           <p:cNvPicPr preferRelativeResize="0"/>
           <p:nvPr/>
         </p:nvPicPr>
@@ -9746,7 +9774,7 @@
       </p:pic>
       <p:pic>
         <p:nvPicPr>
-          <p:cNvPr id="161" name="Google Shape;161;p27"/>
+          <p:cNvPr id="162" name="Google Shape;162;p27"/>
           <p:cNvPicPr preferRelativeResize="0"/>
           <p:nvPr/>
         </p:nvPicPr>
@@ -9774,7 +9802,7 @@
       </p:pic>
       <p:pic>
         <p:nvPicPr>
-          <p:cNvPr id="162" name="Google Shape;162;p27"/>
+          <p:cNvPr id="163" name="Google Shape;163;p27"/>
           <p:cNvPicPr preferRelativeResize="0"/>
           <p:nvPr/>
         </p:nvPicPr>
@@ -9802,7 +9830,7 @@
       </p:pic>
       <p:pic>
         <p:nvPicPr>
-          <p:cNvPr id="163" name="Google Shape;163;p27"/>
+          <p:cNvPr id="164" name="Google Shape;164;p27"/>
           <p:cNvPicPr preferRelativeResize="0"/>
           <p:nvPr/>
         </p:nvPicPr>
@@ -9841,7 +9869,7 @@
   <p:cSld>
     <p:spTree>
       <p:nvGrpSpPr>
-        <p:cNvPr id="167" name="Shape 167"/>
+        <p:cNvPr id="168" name="Shape 168"/>
         <p:cNvGrpSpPr/>
         <p:nvPr/>
       </p:nvGrpSpPr>
@@ -9855,7 +9883,7 @@
       </p:grpSpPr>
       <p:sp>
         <p:nvSpPr>
-          <p:cNvPr id="168" name="Google Shape;168;p28"/>
+          <p:cNvPr id="169" name="Google Shape;169;p28"/>
           <p:cNvSpPr txBox="1"/>
           <p:nvPr>
             <p:ph type="title"/>
@@ -9895,7 +9923,7 @@
       </p:sp>
       <p:pic>
         <p:nvPicPr>
-          <p:cNvPr id="169" name="Google Shape;169;p28"/>
+          <p:cNvPr id="170" name="Google Shape;170;p28"/>
           <p:cNvPicPr preferRelativeResize="0"/>
           <p:nvPr/>
         </p:nvPicPr>
@@ -9923,7 +9951,7 @@
       </p:pic>
       <p:pic>
         <p:nvPicPr>
-          <p:cNvPr id="170" name="Google Shape;170;p28"/>
+          <p:cNvPr id="171" name="Google Shape;171;p28"/>
           <p:cNvPicPr preferRelativeResize="0"/>
           <p:nvPr/>
         </p:nvPicPr>
@@ -9937,8 +9965,8 @@
         </p:blipFill>
         <p:spPr>
           <a:xfrm>
-            <a:off x="5113875" y="3119800"/>
-            <a:ext cx="4029551" cy="1732210"/>
+            <a:off x="5113875" y="2673175"/>
+            <a:ext cx="4029550" cy="396468"/>
           </a:xfrm>
           <a:prstGeom prst="rect">
             <a:avLst/>
@@ -9951,7 +9979,7 @@
       </p:pic>
       <p:pic>
         <p:nvPicPr>
-          <p:cNvPr id="171" name="Google Shape;171;p28"/>
+          <p:cNvPr id="172" name="Google Shape;172;p28"/>
           <p:cNvPicPr preferRelativeResize="0"/>
           <p:nvPr/>
         </p:nvPicPr>
@@ -9965,8 +9993,8 @@
         </p:blipFill>
         <p:spPr>
           <a:xfrm>
-            <a:off x="0" y="1158750"/>
-            <a:ext cx="5023450" cy="3425350"/>
+            <a:off x="5113872" y="659100"/>
+            <a:ext cx="4029550" cy="525902"/>
           </a:xfrm>
           <a:prstGeom prst="rect">
             <a:avLst/>
@@ -9979,7 +10007,7 @@
       </p:pic>
       <p:pic>
         <p:nvPicPr>
-          <p:cNvPr id="172" name="Google Shape;172;p28"/>
+          <p:cNvPr id="173" name="Google Shape;173;p28"/>
           <p:cNvPicPr preferRelativeResize="0"/>
           <p:nvPr/>
         </p:nvPicPr>
@@ -9993,8 +10021,8 @@
         </p:blipFill>
         <p:spPr>
           <a:xfrm>
-            <a:off x="5113875" y="2673175"/>
-            <a:ext cx="4029550" cy="396468"/>
+            <a:off x="0" y="1185000"/>
+            <a:ext cx="5113874" cy="3085891"/>
           </a:xfrm>
           <a:prstGeom prst="rect">
             <a:avLst/>
@@ -10007,7 +10035,7 @@
       </p:pic>
       <p:pic>
         <p:nvPicPr>
-          <p:cNvPr id="173" name="Google Shape;173;p28"/>
+          <p:cNvPr id="174" name="Google Shape;174;p28"/>
           <p:cNvPicPr preferRelativeResize="0"/>
           <p:nvPr/>
         </p:nvPicPr>
@@ -10021,8 +10049,8 @@
         </p:blipFill>
         <p:spPr>
           <a:xfrm>
-            <a:off x="5113872" y="659100"/>
-            <a:ext cx="4029550" cy="525902"/>
+            <a:off x="5113875" y="3199075"/>
+            <a:ext cx="4029550" cy="1519599"/>
           </a:xfrm>
           <a:prstGeom prst="rect">
             <a:avLst/>
@@ -10046,7 +10074,7 @@
   <p:cSld>
     <p:spTree>
       <p:nvGrpSpPr>
-        <p:cNvPr id="177" name="Shape 177"/>
+        <p:cNvPr id="178" name="Shape 178"/>
         <p:cNvGrpSpPr/>
         <p:nvPr/>
       </p:nvGrpSpPr>
@@ -10060,7 +10088,7 @@
       </p:grpSpPr>
       <p:sp>
         <p:nvSpPr>
-          <p:cNvPr id="178" name="Google Shape;178;p29"/>
+          <p:cNvPr id="179" name="Google Shape;179;p29"/>
           <p:cNvSpPr txBox="1"/>
           <p:nvPr>
             <p:ph type="title"/>
@@ -10100,7 +10128,7 @@
       </p:sp>
       <p:pic>
         <p:nvPicPr>
-          <p:cNvPr id="179" name="Google Shape;179;p29"/>
+          <p:cNvPr id="180" name="Google Shape;180;p29"/>
           <p:cNvPicPr preferRelativeResize="0"/>
           <p:nvPr/>
         </p:nvPicPr>
@@ -10127,7 +10155,7 @@
       </p:pic>
       <p:pic>
         <p:nvPicPr>
-          <p:cNvPr id="180" name="Google Shape;180;p29"/>
+          <p:cNvPr id="181" name="Google Shape;181;p29"/>
           <p:cNvPicPr preferRelativeResize="0"/>
           <p:nvPr/>
         </p:nvPicPr>
@@ -10155,7 +10183,7 @@
       </p:pic>
       <p:pic>
         <p:nvPicPr>
-          <p:cNvPr id="181" name="Google Shape;181;p29"/>
+          <p:cNvPr id="182" name="Google Shape;182;p29"/>
           <p:cNvPicPr preferRelativeResize="0"/>
           <p:nvPr/>
         </p:nvPicPr>
@@ -10183,7 +10211,7 @@
       </p:pic>
       <p:pic>
         <p:nvPicPr>
-          <p:cNvPr id="182" name="Google Shape;182;p29"/>
+          <p:cNvPr id="183" name="Google Shape;183;p29"/>
           <p:cNvPicPr preferRelativeResize="0"/>
           <p:nvPr/>
         </p:nvPicPr>
@@ -10222,7 +10250,7 @@
   <p:cSld>
     <p:spTree>
       <p:nvGrpSpPr>
-        <p:cNvPr id="186" name="Shape 186"/>
+        <p:cNvPr id="187" name="Shape 187"/>
         <p:cNvGrpSpPr/>
         <p:nvPr/>
       </p:nvGrpSpPr>
@@ -10236,7 +10264,7 @@
       </p:grpSpPr>
       <p:sp>
         <p:nvSpPr>
-          <p:cNvPr id="187" name="Google Shape;187;p30"/>
+          <p:cNvPr id="188" name="Google Shape;188;p30"/>
           <p:cNvSpPr txBox="1"/>
           <p:nvPr>
             <p:ph type="ctrTitle"/>

--- a/Zaawansowana Eksploracja Danych - Laboratorium/Prezentacja/Personalized Clustering for Emotion Recognition Improvement - Laboratoria.pptx
+++ b/Zaawansowana Eksploracja Danych - Laboratorium/Prezentacja/Personalized Clustering for Emotion Recognition Improvement - Laboratoria.pptx
@@ -10120,7 +10120,7 @@
             </a:pPr>
             <a:r>
               <a:rPr lang="pl" sz="3200"/>
-              <a:t>Symulacja - klastry typologii i wewnętrzne</a:t>
+              <a:t>Symulacja - dodanie nowego użytkownika</a:t>
             </a:r>
             <a:endParaRPr sz="3200"/>
           </a:p>
@@ -12079,6 +12079,285 @@
 </file>
 
 <file path=ppt/theme/theme1.xml><?xml version="1.0" encoding="utf-8"?>
+<a:theme xmlns:a="http://schemas.openxmlformats.org/drawingml/2006/main" xmlns:r="http://schemas.openxmlformats.org/officeDocument/2006/relationships">
+  <a:themeElements>
+    <a:clrScheme name="Default">
+      <a:dk1>
+        <a:srgbClr val="000000"/>
+      </a:dk1>
+      <a:lt1>
+        <a:srgbClr val="FFFFFF"/>
+      </a:lt1>
+      <a:dk2>
+        <a:srgbClr val="158158"/>
+      </a:dk2>
+      <a:lt2>
+        <a:srgbClr val="F3F3F3"/>
+      </a:lt2>
+      <a:accent1>
+        <a:srgbClr val="058DC7"/>
+      </a:accent1>
+      <a:accent2>
+        <a:srgbClr val="50B432"/>
+      </a:accent2>
+      <a:accent3>
+        <a:srgbClr val="ED561B"/>
+      </a:accent3>
+      <a:accent4>
+        <a:srgbClr val="EDEF00"/>
+      </a:accent4>
+      <a:accent5>
+        <a:srgbClr val="24CBE5"/>
+      </a:accent5>
+      <a:accent6>
+        <a:srgbClr val="64E572"/>
+      </a:accent6>
+      <a:hlink>
+        <a:srgbClr val="2200CC"/>
+      </a:hlink>
+      <a:folHlink>
+        <a:srgbClr val="551A8B"/>
+      </a:folHlink>
+    </a:clrScheme>
+    <a:fontScheme name="Office">
+      <a:majorFont>
+        <a:latin typeface="Arial"/>
+        <a:ea typeface=""/>
+        <a:cs typeface=""/>
+        <a:font script="Jpan" typeface="ＭＳ Ｐゴシック"/>
+        <a:font script="Hang" typeface="맑은 고딕"/>
+        <a:font script="Hans" typeface="宋体"/>
+        <a:font script="Hant" typeface="新細明體"/>
+        <a:font script="Arab" typeface="Times New Roman"/>
+        <a:font script="Hebr" typeface="Times New Roman"/>
+        <a:font script="Thai" typeface="Angsana New"/>
+        <a:font script="Ethi" typeface="Nyala"/>
+        <a:font script="Beng" typeface="Vrinda"/>
+        <a:font script="Gujr" typeface="Shruti"/>
+        <a:font script="Khmr" typeface="MoolBoran"/>
+        <a:font script="Knda" typeface="Tunga"/>
+        <a:font script="Guru" typeface="Raavi"/>
+        <a:font script="Cans" typeface="Euphemia"/>
+        <a:font script="Cher" typeface="Plantagenet Cherokee"/>
+        <a:font script="Yiii" typeface="Microsoft Yi Baiti"/>
+        <a:font script="Tibt" typeface="Microsoft Himalaya"/>
+        <a:font script="Thaa" typeface="MV Boli"/>
+        <a:font script="Deva" typeface="Mangal"/>
+        <a:font script="Telu" typeface="Gautami"/>
+        <a:font script="Taml" typeface="Latha"/>
+        <a:font script="Syrc" typeface="Estrangelo Edessa"/>
+        <a:font script="Orya" typeface="Kalinga"/>
+        <a:font script="Mlym" typeface="Kartika"/>
+        <a:font script="Laoo" typeface="DokChampa"/>
+        <a:font script="Sinh" typeface="Iskoola Pota"/>
+        <a:font script="Mong" typeface="Mongolian Baiti"/>
+        <a:font script="Viet" typeface="Times New Roman"/>
+        <a:font script="Uigh" typeface="Microsoft Uighur"/>
+        <a:font script="Geor" typeface="Sylfaen"/>
+      </a:majorFont>
+      <a:minorFont>
+        <a:latin typeface="Arial"/>
+        <a:ea typeface=""/>
+        <a:cs typeface=""/>
+        <a:font script="Jpan" typeface="ＭＳ Ｐゴシック"/>
+        <a:font script="Hang" typeface="맑은 고딕"/>
+        <a:font script="Hans" typeface="宋体"/>
+        <a:font script="Hant" typeface="新細明體"/>
+        <a:font script="Arab" typeface="Arial"/>
+        <a:font script="Hebr" typeface="Arial"/>
+        <a:font script="Thai" typeface="Cordia New"/>
+        <a:font script="Ethi" typeface="Nyala"/>
+        <a:font script="Beng" typeface="Vrinda"/>
+        <a:font script="Gujr" typeface="Shruti"/>
+        <a:font script="Khmr" typeface="DaunPenh"/>
+        <a:font script="Knda" typeface="Tunga"/>
+        <a:font script="Guru" typeface="Raavi"/>
+        <a:font script="Cans" typeface="Euphemia"/>
+        <a:font script="Cher" typeface="Plantagenet Cherokee"/>
+        <a:font script="Yiii" typeface="Microsoft Yi Baiti"/>
+        <a:font script="Tibt" typeface="Microsoft Himalaya"/>
+        <a:font script="Thaa" typeface="MV Boli"/>
+        <a:font script="Deva" typeface="Mangal"/>
+        <a:font script="Telu" typeface="Gautami"/>
+        <a:font script="Taml" typeface="Latha"/>
+        <a:font script="Syrc" typeface="Estrangelo Edessa"/>
+        <a:font script="Orya" typeface="Kalinga"/>
+        <a:font script="Mlym" typeface="Kartika"/>
+        <a:font script="Laoo" typeface="DokChampa"/>
+        <a:font script="Sinh" typeface="Iskoola Pota"/>
+        <a:font script="Mong" typeface="Mongolian Baiti"/>
+        <a:font script="Viet" typeface="Arial"/>
+        <a:font script="Uigh" typeface="Microsoft Uighur"/>
+        <a:font script="Geor" typeface="Sylfaen"/>
+      </a:minorFont>
+    </a:fontScheme>
+    <a:fmtScheme name="Office">
+      <a:fillStyleLst>
+        <a:solidFill>
+          <a:schemeClr val="phClr"/>
+        </a:solidFill>
+        <a:gradFill rotWithShape="1">
+          <a:gsLst>
+            <a:gs pos="0">
+              <a:schemeClr val="phClr">
+                <a:tint val="50000"/>
+                <a:satMod val="300000"/>
+              </a:schemeClr>
+            </a:gs>
+            <a:gs pos="35000">
+              <a:schemeClr val="phClr">
+                <a:tint val="37000"/>
+                <a:satMod val="300000"/>
+              </a:schemeClr>
+            </a:gs>
+            <a:gs pos="100000">
+              <a:schemeClr val="phClr">
+                <a:tint val="15000"/>
+                <a:satMod val="350000"/>
+              </a:schemeClr>
+            </a:gs>
+          </a:gsLst>
+          <a:lin ang="16200000" scaled="1"/>
+        </a:gradFill>
+        <a:gradFill rotWithShape="1">
+          <a:gsLst>
+            <a:gs pos="0">
+              <a:schemeClr val="phClr">
+                <a:tint val="100000"/>
+                <a:shade val="100000"/>
+                <a:satMod val="130000"/>
+              </a:schemeClr>
+            </a:gs>
+            <a:gs pos="100000">
+              <a:schemeClr val="phClr">
+                <a:tint val="50000"/>
+                <a:shade val="100000"/>
+                <a:satMod val="350000"/>
+              </a:schemeClr>
+            </a:gs>
+          </a:gsLst>
+          <a:lin ang="16200000" scaled="0"/>
+        </a:gradFill>
+      </a:fillStyleLst>
+      <a:lnStyleLst>
+        <a:ln w="9525" cap="flat" cmpd="sng" algn="ctr">
+          <a:solidFill>
+            <a:schemeClr val="phClr">
+              <a:shade val="95000"/>
+              <a:satMod val="105000"/>
+            </a:schemeClr>
+          </a:solidFill>
+          <a:prstDash val="solid"/>
+        </a:ln>
+        <a:ln w="25400" cap="flat" cmpd="sng" algn="ctr">
+          <a:solidFill>
+            <a:schemeClr val="phClr"/>
+          </a:solidFill>
+          <a:prstDash val="solid"/>
+        </a:ln>
+        <a:ln w="38100" cap="flat" cmpd="sng" algn="ctr">
+          <a:solidFill>
+            <a:schemeClr val="phClr"/>
+          </a:solidFill>
+          <a:prstDash val="solid"/>
+        </a:ln>
+      </a:lnStyleLst>
+      <a:effectStyleLst>
+        <a:effectStyle>
+          <a:effectLst>
+            <a:outerShdw blurRad="40000" dist="20000" dir="5400000" rotWithShape="0">
+              <a:srgbClr val="000000">
+                <a:alpha val="38000"/>
+              </a:srgbClr>
+            </a:outerShdw>
+          </a:effectLst>
+        </a:effectStyle>
+        <a:effectStyle>
+          <a:effectLst>
+            <a:outerShdw blurRad="40000" dist="23000" dir="5400000" rotWithShape="0">
+              <a:srgbClr val="000000">
+                <a:alpha val="35000"/>
+              </a:srgbClr>
+            </a:outerShdw>
+          </a:effectLst>
+        </a:effectStyle>
+        <a:effectStyle>
+          <a:effectLst>
+            <a:outerShdw blurRad="40000" dist="23000" dir="5400000" rotWithShape="0">
+              <a:srgbClr val="000000">
+                <a:alpha val="35000"/>
+              </a:srgbClr>
+            </a:outerShdw>
+          </a:effectLst>
+          <a:scene3d>
+            <a:camera prst="orthographicFront">
+              <a:rot lat="0" lon="0" rev="0"/>
+            </a:camera>
+            <a:lightRig rig="threePt" dir="t">
+              <a:rot lat="0" lon="0" rev="1200000"/>
+            </a:lightRig>
+          </a:scene3d>
+          <a:sp3d>
+            <a:bevelT w="63500" h="25400"/>
+          </a:sp3d>
+        </a:effectStyle>
+      </a:effectStyleLst>
+      <a:bgFillStyleLst>
+        <a:solidFill>
+          <a:schemeClr val="phClr"/>
+        </a:solidFill>
+        <a:gradFill rotWithShape="1">
+          <a:gsLst>
+            <a:gs pos="0">
+              <a:schemeClr val="phClr">
+                <a:tint val="40000"/>
+                <a:satMod val="350000"/>
+              </a:schemeClr>
+            </a:gs>
+            <a:gs pos="40000">
+              <a:schemeClr val="phClr">
+                <a:tint val="45000"/>
+                <a:shade val="99000"/>
+                <a:satMod val="350000"/>
+              </a:schemeClr>
+            </a:gs>
+            <a:gs pos="100000">
+              <a:schemeClr val="phClr">
+                <a:shade val="20000"/>
+                <a:satMod val="255000"/>
+              </a:schemeClr>
+            </a:gs>
+          </a:gsLst>
+          <a:path path="circle">
+            <a:fillToRect l="50000" t="-80000" r="50000" b="180000"/>
+          </a:path>
+        </a:gradFill>
+        <a:gradFill rotWithShape="1">
+          <a:gsLst>
+            <a:gs pos="0">
+              <a:schemeClr val="phClr">
+                <a:tint val="80000"/>
+                <a:satMod val="300000"/>
+              </a:schemeClr>
+            </a:gs>
+            <a:gs pos="100000">
+              <a:schemeClr val="phClr">
+                <a:shade val="30000"/>
+                <a:satMod val="200000"/>
+              </a:schemeClr>
+            </a:gs>
+          </a:gsLst>
+          <a:path path="circle">
+            <a:fillToRect l="50000" t="50000" r="50000" b="50000"/>
+          </a:path>
+        </a:gradFill>
+      </a:bgFillStyleLst>
+    </a:fmtScheme>
+  </a:themeElements>
+</a:theme>
+</file>
+
+<file path=ppt/theme/theme2.xml><?xml version="1.0" encoding="utf-8"?>
 <a:theme xmlns:a="http://schemas.openxmlformats.org/drawingml/2006/main" xmlns:r="http://schemas.openxmlformats.org/officeDocument/2006/relationships" name="Material">
   <a:themeElements>
     <a:clrScheme name="Material">
@@ -12355,283 +12634,4 @@
     </a:fmtScheme>
   </a:themeElements>
 </a:theme>
-</file>
-
-<file path=ppt/theme/theme2.xml><?xml version="1.0" encoding="utf-8"?>
-<a:theme xmlns:a="http://schemas.openxmlformats.org/drawingml/2006/main" xmlns:r="http://schemas.openxmlformats.org/officeDocument/2006/relationships">
-  <a:themeElements>
-    <a:clrScheme name="Default">
-      <a:dk1>
-        <a:srgbClr val="000000"/>
-      </a:dk1>
-      <a:lt1>
-        <a:srgbClr val="FFFFFF"/>
-      </a:lt1>
-      <a:dk2>
-        <a:srgbClr val="158158"/>
-      </a:dk2>
-      <a:lt2>
-        <a:srgbClr val="F3F3F3"/>
-      </a:lt2>
-      <a:accent1>
-        <a:srgbClr val="058DC7"/>
-      </a:accent1>
-      <a:accent2>
-        <a:srgbClr val="50B432"/>
-      </a:accent2>
-      <a:accent3>
-        <a:srgbClr val="ED561B"/>
-      </a:accent3>
-      <a:accent4>
-        <a:srgbClr val="EDEF00"/>
-      </a:accent4>
-      <a:accent5>
-        <a:srgbClr val="24CBE5"/>
-      </a:accent5>
-      <a:accent6>
-        <a:srgbClr val="64E572"/>
-      </a:accent6>
-      <a:hlink>
-        <a:srgbClr val="2200CC"/>
-      </a:hlink>
-      <a:folHlink>
-        <a:srgbClr val="551A8B"/>
-      </a:folHlink>
-    </a:clrScheme>
-    <a:fontScheme name="Office">
-      <a:majorFont>
-        <a:latin typeface="Arial"/>
-        <a:ea typeface=""/>
-        <a:cs typeface=""/>
-        <a:font script="Jpan" typeface="ＭＳ Ｐゴシック"/>
-        <a:font script="Hang" typeface="맑은 고딕"/>
-        <a:font script="Hans" typeface="宋体"/>
-        <a:font script="Hant" typeface="新細明體"/>
-        <a:font script="Arab" typeface="Times New Roman"/>
-        <a:font script="Hebr" typeface="Times New Roman"/>
-        <a:font script="Thai" typeface="Angsana New"/>
-        <a:font script="Ethi" typeface="Nyala"/>
-        <a:font script="Beng" typeface="Vrinda"/>
-        <a:font script="Gujr" typeface="Shruti"/>
-        <a:font script="Khmr" typeface="MoolBoran"/>
-        <a:font script="Knda" typeface="Tunga"/>
-        <a:font script="Guru" typeface="Raavi"/>
-        <a:font script="Cans" typeface="Euphemia"/>
-        <a:font script="Cher" typeface="Plantagenet Cherokee"/>
-        <a:font script="Yiii" typeface="Microsoft Yi Baiti"/>
-        <a:font script="Tibt" typeface="Microsoft Himalaya"/>
-        <a:font script="Thaa" typeface="MV Boli"/>
-        <a:font script="Deva" typeface="Mangal"/>
-        <a:font script="Telu" typeface="Gautami"/>
-        <a:font script="Taml" typeface="Latha"/>
-        <a:font script="Syrc" typeface="Estrangelo Edessa"/>
-        <a:font script="Orya" typeface="Kalinga"/>
-        <a:font script="Mlym" typeface="Kartika"/>
-        <a:font script="Laoo" typeface="DokChampa"/>
-        <a:font script="Sinh" typeface="Iskoola Pota"/>
-        <a:font script="Mong" typeface="Mongolian Baiti"/>
-        <a:font script="Viet" typeface="Times New Roman"/>
-        <a:font script="Uigh" typeface="Microsoft Uighur"/>
-        <a:font script="Geor" typeface="Sylfaen"/>
-      </a:majorFont>
-      <a:minorFont>
-        <a:latin typeface="Arial"/>
-        <a:ea typeface=""/>
-        <a:cs typeface=""/>
-        <a:font script="Jpan" typeface="ＭＳ Ｐゴシック"/>
-        <a:font script="Hang" typeface="맑은 고딕"/>
-        <a:font script="Hans" typeface="宋体"/>
-        <a:font script="Hant" typeface="新細明體"/>
-        <a:font script="Arab" typeface="Arial"/>
-        <a:font script="Hebr" typeface="Arial"/>
-        <a:font script="Thai" typeface="Cordia New"/>
-        <a:font script="Ethi" typeface="Nyala"/>
-        <a:font script="Beng" typeface="Vrinda"/>
-        <a:font script="Gujr" typeface="Shruti"/>
-        <a:font script="Khmr" typeface="DaunPenh"/>
-        <a:font script="Knda" typeface="Tunga"/>
-        <a:font script="Guru" typeface="Raavi"/>
-        <a:font script="Cans" typeface="Euphemia"/>
-        <a:font script="Cher" typeface="Plantagenet Cherokee"/>
-        <a:font script="Yiii" typeface="Microsoft Yi Baiti"/>
-        <a:font script="Tibt" typeface="Microsoft Himalaya"/>
-        <a:font script="Thaa" typeface="MV Boli"/>
-        <a:font script="Deva" typeface="Mangal"/>
-        <a:font script="Telu" typeface="Gautami"/>
-        <a:font script="Taml" typeface="Latha"/>
-        <a:font script="Syrc" typeface="Estrangelo Edessa"/>
-        <a:font script="Orya" typeface="Kalinga"/>
-        <a:font script="Mlym" typeface="Kartika"/>
-        <a:font script="Laoo" typeface="DokChampa"/>
-        <a:font script="Sinh" typeface="Iskoola Pota"/>
-        <a:font script="Mong" typeface="Mongolian Baiti"/>
-        <a:font script="Viet" typeface="Arial"/>
-        <a:font script="Uigh" typeface="Microsoft Uighur"/>
-        <a:font script="Geor" typeface="Sylfaen"/>
-      </a:minorFont>
-    </a:fontScheme>
-    <a:fmtScheme name="Office">
-      <a:fillStyleLst>
-        <a:solidFill>
-          <a:schemeClr val="phClr"/>
-        </a:solidFill>
-        <a:gradFill rotWithShape="1">
-          <a:gsLst>
-            <a:gs pos="0">
-              <a:schemeClr val="phClr">
-                <a:tint val="50000"/>
-                <a:satMod val="300000"/>
-              </a:schemeClr>
-            </a:gs>
-            <a:gs pos="35000">
-              <a:schemeClr val="phClr">
-                <a:tint val="37000"/>
-                <a:satMod val="300000"/>
-              </a:schemeClr>
-            </a:gs>
-            <a:gs pos="100000">
-              <a:schemeClr val="phClr">
-                <a:tint val="15000"/>
-                <a:satMod val="350000"/>
-              </a:schemeClr>
-            </a:gs>
-          </a:gsLst>
-          <a:lin ang="16200000" scaled="1"/>
-        </a:gradFill>
-        <a:gradFill rotWithShape="1">
-          <a:gsLst>
-            <a:gs pos="0">
-              <a:schemeClr val="phClr">
-                <a:tint val="100000"/>
-                <a:shade val="100000"/>
-                <a:satMod val="130000"/>
-              </a:schemeClr>
-            </a:gs>
-            <a:gs pos="100000">
-              <a:schemeClr val="phClr">
-                <a:tint val="50000"/>
-                <a:shade val="100000"/>
-                <a:satMod val="350000"/>
-              </a:schemeClr>
-            </a:gs>
-          </a:gsLst>
-          <a:lin ang="16200000" scaled="0"/>
-        </a:gradFill>
-      </a:fillStyleLst>
-      <a:lnStyleLst>
-        <a:ln w="9525" cap="flat" cmpd="sng" algn="ctr">
-          <a:solidFill>
-            <a:schemeClr val="phClr">
-              <a:shade val="95000"/>
-              <a:satMod val="105000"/>
-            </a:schemeClr>
-          </a:solidFill>
-          <a:prstDash val="solid"/>
-        </a:ln>
-        <a:ln w="25400" cap="flat" cmpd="sng" algn="ctr">
-          <a:solidFill>
-            <a:schemeClr val="phClr"/>
-          </a:solidFill>
-          <a:prstDash val="solid"/>
-        </a:ln>
-        <a:ln w="38100" cap="flat" cmpd="sng" algn="ctr">
-          <a:solidFill>
-            <a:schemeClr val="phClr"/>
-          </a:solidFill>
-          <a:prstDash val="solid"/>
-        </a:ln>
-      </a:lnStyleLst>
-      <a:effectStyleLst>
-        <a:effectStyle>
-          <a:effectLst>
-            <a:outerShdw blurRad="40000" dist="20000" dir="5400000" rotWithShape="0">
-              <a:srgbClr val="000000">
-                <a:alpha val="38000"/>
-              </a:srgbClr>
-            </a:outerShdw>
-          </a:effectLst>
-        </a:effectStyle>
-        <a:effectStyle>
-          <a:effectLst>
-            <a:outerShdw blurRad="40000" dist="23000" dir="5400000" rotWithShape="0">
-              <a:srgbClr val="000000">
-                <a:alpha val="35000"/>
-              </a:srgbClr>
-            </a:outerShdw>
-          </a:effectLst>
-        </a:effectStyle>
-        <a:effectStyle>
-          <a:effectLst>
-            <a:outerShdw blurRad="40000" dist="23000" dir="5400000" rotWithShape="0">
-              <a:srgbClr val="000000">
-                <a:alpha val="35000"/>
-              </a:srgbClr>
-            </a:outerShdw>
-          </a:effectLst>
-          <a:scene3d>
-            <a:camera prst="orthographicFront">
-              <a:rot lat="0" lon="0" rev="0"/>
-            </a:camera>
-            <a:lightRig rig="threePt" dir="t">
-              <a:rot lat="0" lon="0" rev="1200000"/>
-            </a:lightRig>
-          </a:scene3d>
-          <a:sp3d>
-            <a:bevelT w="63500" h="25400"/>
-          </a:sp3d>
-        </a:effectStyle>
-      </a:effectStyleLst>
-      <a:bgFillStyleLst>
-        <a:solidFill>
-          <a:schemeClr val="phClr"/>
-        </a:solidFill>
-        <a:gradFill rotWithShape="1">
-          <a:gsLst>
-            <a:gs pos="0">
-              <a:schemeClr val="phClr">
-                <a:tint val="40000"/>
-                <a:satMod val="350000"/>
-              </a:schemeClr>
-            </a:gs>
-            <a:gs pos="40000">
-              <a:schemeClr val="phClr">
-                <a:tint val="45000"/>
-                <a:shade val="99000"/>
-                <a:satMod val="350000"/>
-              </a:schemeClr>
-            </a:gs>
-            <a:gs pos="100000">
-              <a:schemeClr val="phClr">
-                <a:shade val="20000"/>
-                <a:satMod val="255000"/>
-              </a:schemeClr>
-            </a:gs>
-          </a:gsLst>
-          <a:path path="circle">
-            <a:fillToRect l="50000" t="-80000" r="50000" b="180000"/>
-          </a:path>
-        </a:gradFill>
-        <a:gradFill rotWithShape="1">
-          <a:gsLst>
-            <a:gs pos="0">
-              <a:schemeClr val="phClr">
-                <a:tint val="80000"/>
-                <a:satMod val="300000"/>
-              </a:schemeClr>
-            </a:gs>
-            <a:gs pos="100000">
-              <a:schemeClr val="phClr">
-                <a:shade val="30000"/>
-                <a:satMod val="200000"/>
-              </a:schemeClr>
-            </a:gs>
-          </a:gsLst>
-          <a:path path="circle">
-            <a:fillToRect l="50000" t="50000" r="50000" b="50000"/>
-          </a:path>
-        </a:gradFill>
-      </a:bgFillStyleLst>
-    </a:fmtScheme>
-  </a:themeElements>
-</a:theme>
 </file>